--- a/powerpoint/SlideDeck2.pptx
+++ b/powerpoint/SlideDeck2.pptx
@@ -5,22 +5,21 @@
     <p:sldMasterId id="2147483648" r:id="rId1"/>
   </p:sldMasterIdLst>
   <p:notesMasterIdLst>
-    <p:notesMasterId r:id="rId15"/>
+    <p:notesMasterId r:id="rId14"/>
   </p:notesMasterIdLst>
   <p:sldIdLst>
     <p:sldId id="256" r:id="rId2"/>
-    <p:sldId id="259" r:id="rId3"/>
-    <p:sldId id="257" r:id="rId4"/>
-    <p:sldId id="260" r:id="rId5"/>
-    <p:sldId id="261" r:id="rId6"/>
-    <p:sldId id="268" r:id="rId7"/>
-    <p:sldId id="262" r:id="rId8"/>
-    <p:sldId id="264" r:id="rId9"/>
-    <p:sldId id="263" r:id="rId10"/>
-    <p:sldId id="265" r:id="rId11"/>
-    <p:sldId id="266" r:id="rId12"/>
-    <p:sldId id="267" r:id="rId13"/>
-    <p:sldId id="258" r:id="rId14"/>
+    <p:sldId id="257" r:id="rId3"/>
+    <p:sldId id="261" r:id="rId4"/>
+    <p:sldId id="268" r:id="rId5"/>
+    <p:sldId id="262" r:id="rId6"/>
+    <p:sldId id="264" r:id="rId7"/>
+    <p:sldId id="263" r:id="rId8"/>
+    <p:sldId id="265" r:id="rId9"/>
+    <p:sldId id="266" r:id="rId10"/>
+    <p:sldId id="267" r:id="rId11"/>
+    <p:sldId id="258" r:id="rId12"/>
+    <p:sldId id="259" r:id="rId13"/>
   </p:sldIdLst>
   <p:sldSz cx="12192000" cy="6858000"/>
   <p:notesSz cx="6858000" cy="9144000"/>
@@ -119,7 +118,199 @@
       </a:defRPr>
     </a:lvl9pPr>
   </p:defaultTextStyle>
+  <p:extLst>
+    <p:ext uri="{EFAFB233-063F-42B5-8137-9DF3F51BA10A}">
+      <p15:sldGuideLst xmlns:p15="http://schemas.microsoft.com/office/powerpoint/2012/main"/>
+    </p:ext>
+  </p:extLst>
 </p:presentation>
+</file>
+
+<file path=ppt/revisionInfo.xml><?xml version="1.0" encoding="utf-8"?>
+<p1510:revInfo xmlns:a="http://schemas.openxmlformats.org/drawingml/2006/main" xmlns:r="http://schemas.openxmlformats.org/officeDocument/2006/relationships" xmlns:p1510="http://schemas.microsoft.com/office/powerpoint/2015/10/main">
+  <p1510:revLst>
+    <p1510:client id="{DB75610D-74CB-F646-AE45-A7887F407CF8}" v="1" dt="2021-04-26T07:46:02.130"/>
+  </p1510:revLst>
+</p1510:revInfo>
+</file>
+
+<file path=ppt/changesInfos/changesInfo1.xml><?xml version="1.0" encoding="utf-8"?>
+<pc:chgInfo xmlns:a="http://schemas.openxmlformats.org/drawingml/2006/main" xmlns:r="http://schemas.openxmlformats.org/officeDocument/2006/relationships" xmlns:ac="http://schemas.microsoft.com/office/drawing/2013/main/command" xmlns:pc="http://schemas.microsoft.com/office/powerpoint/2013/main/command">
+  <pc:docChgLst>
+    <pc:chgData name="Bart Naudts" userId="1439a2f6791640ec" providerId="LiveId" clId="{DB75610D-74CB-F646-AE45-A7887F407CF8}"/>
+    <pc:docChg chg="custSel delSld modSld sldOrd">
+      <pc:chgData name="Bart Naudts" userId="1439a2f6791640ec" providerId="LiveId" clId="{DB75610D-74CB-F646-AE45-A7887F407CF8}" dt="2021-04-26T07:50:44.219" v="791" actId="20577"/>
+      <pc:docMkLst>
+        <pc:docMk/>
+      </pc:docMkLst>
+      <pc:sldChg chg="modSp mod">
+        <pc:chgData name="Bart Naudts" userId="1439a2f6791640ec" providerId="LiveId" clId="{DB75610D-74CB-F646-AE45-A7887F407CF8}" dt="2021-04-26T07:48:25.399" v="667" actId="20577"/>
+        <pc:sldMkLst>
+          <pc:docMk/>
+          <pc:sldMk cId="472301671" sldId="256"/>
+        </pc:sldMkLst>
+        <pc:spChg chg="mod">
+          <ac:chgData name="Bart Naudts" userId="1439a2f6791640ec" providerId="LiveId" clId="{DB75610D-74CB-F646-AE45-A7887F407CF8}" dt="2021-04-26T07:38:57.926" v="6" actId="114"/>
+          <ac:spMkLst>
+            <pc:docMk/>
+            <pc:sldMk cId="472301671" sldId="256"/>
+            <ac:spMk id="2" creationId="{A0B71B5A-D685-8E48-829E-9C2C25C4AA43}"/>
+          </ac:spMkLst>
+        </pc:spChg>
+        <pc:spChg chg="mod">
+          <ac:chgData name="Bart Naudts" userId="1439a2f6791640ec" providerId="LiveId" clId="{DB75610D-74CB-F646-AE45-A7887F407CF8}" dt="2021-04-26T07:48:25.399" v="667" actId="20577"/>
+          <ac:spMkLst>
+            <pc:docMk/>
+            <pc:sldMk cId="472301671" sldId="256"/>
+            <ac:spMk id="3" creationId="{B87D3F16-98AB-E34D-AAD5-5A22A3686EB7}"/>
+          </ac:spMkLst>
+        </pc:spChg>
+      </pc:sldChg>
+      <pc:sldChg chg="modSp mod">
+        <pc:chgData name="Bart Naudts" userId="1439a2f6791640ec" providerId="LiveId" clId="{DB75610D-74CB-F646-AE45-A7887F407CF8}" dt="2021-04-26T07:39:57.081" v="16" actId="20577"/>
+        <pc:sldMkLst>
+          <pc:docMk/>
+          <pc:sldMk cId="4164299287" sldId="257"/>
+        </pc:sldMkLst>
+        <pc:spChg chg="mod">
+          <ac:chgData name="Bart Naudts" userId="1439a2f6791640ec" providerId="LiveId" clId="{DB75610D-74CB-F646-AE45-A7887F407CF8}" dt="2021-04-26T07:39:57.081" v="16" actId="20577"/>
+          <ac:spMkLst>
+            <pc:docMk/>
+            <pc:sldMk cId="4164299287" sldId="257"/>
+            <ac:spMk id="3" creationId="{3FEB2BDD-8F11-0543-866E-8DD3C4EDAA83}"/>
+          </ac:spMkLst>
+        </pc:spChg>
+      </pc:sldChg>
+      <pc:sldChg chg="modSp mod ord">
+        <pc:chgData name="Bart Naudts" userId="1439a2f6791640ec" providerId="LiveId" clId="{DB75610D-74CB-F646-AE45-A7887F407CF8}" dt="2021-04-26T07:48:10.126" v="650" actId="20577"/>
+        <pc:sldMkLst>
+          <pc:docMk/>
+          <pc:sldMk cId="4119228352" sldId="258"/>
+        </pc:sldMkLst>
+        <pc:spChg chg="mod">
+          <ac:chgData name="Bart Naudts" userId="1439a2f6791640ec" providerId="LiveId" clId="{DB75610D-74CB-F646-AE45-A7887F407CF8}" dt="2021-04-26T07:48:10.126" v="650" actId="20577"/>
+          <ac:spMkLst>
+            <pc:docMk/>
+            <pc:sldMk cId="4119228352" sldId="258"/>
+            <ac:spMk id="3" creationId="{D015A48A-1E61-AC48-B6B6-7A8007B0F9ED}"/>
+          </ac:spMkLst>
+        </pc:spChg>
+      </pc:sldChg>
+      <pc:sldChg chg="ord">
+        <pc:chgData name="Bart Naudts" userId="1439a2f6791640ec" providerId="LiveId" clId="{DB75610D-74CB-F646-AE45-A7887F407CF8}" dt="2021-04-26T07:39:20.782" v="9" actId="20578"/>
+        <pc:sldMkLst>
+          <pc:docMk/>
+          <pc:sldMk cId="3167132552" sldId="259"/>
+        </pc:sldMkLst>
+      </pc:sldChg>
+      <pc:sldChg chg="modSp del mod">
+        <pc:chgData name="Bart Naudts" userId="1439a2f6791640ec" providerId="LiveId" clId="{DB75610D-74CB-F646-AE45-A7887F407CF8}" dt="2021-04-26T07:40:20.047" v="19" actId="2696"/>
+        <pc:sldMkLst>
+          <pc:docMk/>
+          <pc:sldMk cId="3145177522" sldId="260"/>
+        </pc:sldMkLst>
+        <pc:spChg chg="mod">
+          <ac:chgData name="Bart Naudts" userId="1439a2f6791640ec" providerId="LiveId" clId="{DB75610D-74CB-F646-AE45-A7887F407CF8}" dt="2021-04-26T07:40:11.852" v="18" actId="20577"/>
+          <ac:spMkLst>
+            <pc:docMk/>
+            <pc:sldMk cId="3145177522" sldId="260"/>
+            <ac:spMk id="3" creationId="{436EAE12-7853-E745-9129-FAECB22DE5A6}"/>
+          </ac:spMkLst>
+        </pc:spChg>
+      </pc:sldChg>
+      <pc:sldChg chg="modSp mod">
+        <pc:chgData name="Bart Naudts" userId="1439a2f6791640ec" providerId="LiveId" clId="{DB75610D-74CB-F646-AE45-A7887F407CF8}" dt="2021-04-26T07:49:25.980" v="682" actId="20577"/>
+        <pc:sldMkLst>
+          <pc:docMk/>
+          <pc:sldMk cId="364461480" sldId="261"/>
+        </pc:sldMkLst>
+        <pc:spChg chg="mod">
+          <ac:chgData name="Bart Naudts" userId="1439a2f6791640ec" providerId="LiveId" clId="{DB75610D-74CB-F646-AE45-A7887F407CF8}" dt="2021-04-26T07:49:25.980" v="682" actId="20577"/>
+          <ac:spMkLst>
+            <pc:docMk/>
+            <pc:sldMk cId="364461480" sldId="261"/>
+            <ac:spMk id="3" creationId="{B17D4D83-D5FB-E240-9DCD-4DCA3BDBF90F}"/>
+          </ac:spMkLst>
+        </pc:spChg>
+      </pc:sldChg>
+      <pc:sldChg chg="modSp mod">
+        <pc:chgData name="Bart Naudts" userId="1439a2f6791640ec" providerId="LiveId" clId="{DB75610D-74CB-F646-AE45-A7887F407CF8}" dt="2021-04-26T07:50:25.856" v="775" actId="6549"/>
+        <pc:sldMkLst>
+          <pc:docMk/>
+          <pc:sldMk cId="1809244579" sldId="262"/>
+        </pc:sldMkLst>
+        <pc:spChg chg="mod">
+          <ac:chgData name="Bart Naudts" userId="1439a2f6791640ec" providerId="LiveId" clId="{DB75610D-74CB-F646-AE45-A7887F407CF8}" dt="2021-04-26T07:50:25.856" v="775" actId="6549"/>
+          <ac:spMkLst>
+            <pc:docMk/>
+            <pc:sldMk cId="1809244579" sldId="262"/>
+            <ac:spMk id="3" creationId="{E56D5C14-BC1E-B047-8110-2144E85235A8}"/>
+          </ac:spMkLst>
+        </pc:spChg>
+      </pc:sldChg>
+      <pc:sldChg chg="modSp mod">
+        <pc:chgData name="Bart Naudts" userId="1439a2f6791640ec" providerId="LiveId" clId="{DB75610D-74CB-F646-AE45-A7887F407CF8}" dt="2021-04-26T07:44:47.931" v="350" actId="20577"/>
+        <pc:sldMkLst>
+          <pc:docMk/>
+          <pc:sldMk cId="543990818" sldId="263"/>
+        </pc:sldMkLst>
+        <pc:spChg chg="mod">
+          <ac:chgData name="Bart Naudts" userId="1439a2f6791640ec" providerId="LiveId" clId="{DB75610D-74CB-F646-AE45-A7887F407CF8}" dt="2021-04-26T07:44:47.931" v="350" actId="20577"/>
+          <ac:spMkLst>
+            <pc:docMk/>
+            <pc:sldMk cId="543990818" sldId="263"/>
+            <ac:spMk id="3" creationId="{6892C416-DC77-5C45-B492-793440E84F55}"/>
+          </ac:spMkLst>
+        </pc:spChg>
+      </pc:sldChg>
+      <pc:sldChg chg="modSp mod">
+        <pc:chgData name="Bart Naudts" userId="1439a2f6791640ec" providerId="LiveId" clId="{DB75610D-74CB-F646-AE45-A7887F407CF8}" dt="2021-04-26T07:50:44.219" v="791" actId="20577"/>
+        <pc:sldMkLst>
+          <pc:docMk/>
+          <pc:sldMk cId="704412100" sldId="264"/>
+        </pc:sldMkLst>
+        <pc:spChg chg="mod">
+          <ac:chgData name="Bart Naudts" userId="1439a2f6791640ec" providerId="LiveId" clId="{DB75610D-74CB-F646-AE45-A7887F407CF8}" dt="2021-04-26T07:50:44.219" v="791" actId="20577"/>
+          <ac:spMkLst>
+            <pc:docMk/>
+            <pc:sldMk cId="704412100" sldId="264"/>
+            <ac:spMk id="3" creationId="{8D15115C-610F-F446-A6DD-509DD4D0D767}"/>
+          </ac:spMkLst>
+        </pc:spChg>
+      </pc:sldChg>
+      <pc:sldChg chg="modSp mod">
+        <pc:chgData name="Bart Naudts" userId="1439a2f6791640ec" providerId="LiveId" clId="{DB75610D-74CB-F646-AE45-A7887F407CF8}" dt="2021-04-26T07:46:38.221" v="448" actId="20577"/>
+        <pc:sldMkLst>
+          <pc:docMk/>
+          <pc:sldMk cId="244339610" sldId="266"/>
+        </pc:sldMkLst>
+        <pc:spChg chg="mod">
+          <ac:chgData name="Bart Naudts" userId="1439a2f6791640ec" providerId="LiveId" clId="{DB75610D-74CB-F646-AE45-A7887F407CF8}" dt="2021-04-26T07:46:38.221" v="448" actId="20577"/>
+          <ac:spMkLst>
+            <pc:docMk/>
+            <pc:sldMk cId="244339610" sldId="266"/>
+            <ac:spMk id="3" creationId="{640E2908-F097-D94C-9666-488839DCEB05}"/>
+          </ac:spMkLst>
+        </pc:spChg>
+      </pc:sldChg>
+      <pc:sldChg chg="modSp mod">
+        <pc:chgData name="Bart Naudts" userId="1439a2f6791640ec" providerId="LiveId" clId="{DB75610D-74CB-F646-AE45-A7887F407CF8}" dt="2021-04-26T07:49:48.269" v="706" actId="20577"/>
+        <pc:sldMkLst>
+          <pc:docMk/>
+          <pc:sldMk cId="522637701" sldId="268"/>
+        </pc:sldMkLst>
+        <pc:spChg chg="mod">
+          <ac:chgData name="Bart Naudts" userId="1439a2f6791640ec" providerId="LiveId" clId="{DB75610D-74CB-F646-AE45-A7887F407CF8}" dt="2021-04-26T07:49:48.269" v="706" actId="20577"/>
+          <ac:spMkLst>
+            <pc:docMk/>
+            <pc:sldMk cId="522637701" sldId="268"/>
+            <ac:spMk id="3" creationId="{F28434E4-F96A-2B44-BCCF-4B980E15081B}"/>
+          </ac:spMkLst>
+        </pc:spChg>
+      </pc:sldChg>
+    </pc:docChg>
+  </pc:docChgLst>
+</pc:chgInfo>
 </file>
 
 <file path=ppt/notesMasters/notesMaster1.xml><?xml version="1.0" encoding="utf-8"?>
@@ -204,7 +395,7 @@
           <a:p>
             <a:fld id="{818C8CF3-BCCC-F54E-AD85-489C40636AC0}" type="datetimeFigureOut">
               <a:rPr lang="en-BE" smtClean="0"/>
-              <a:t>24/03/2021</a:t>
+              <a:t>26/04/2021</a:t>
             </a:fld>
             <a:endParaRPr lang="en-BE"/>
           </a:p>
@@ -537,7 +728,7 @@
           <a:p>
             <a:fld id="{6403A39C-6B23-D049-9618-C47858591F4F}" type="slidenum">
               <a:rPr lang="en-BE" smtClean="0"/>
-              <a:t>3</a:t>
+              <a:t>2</a:t>
             </a:fld>
             <a:endParaRPr lang="en-BE"/>
           </a:p>
@@ -705,7 +896,7 @@
           <a:p>
             <a:fld id="{3382CC1E-2B4A-E24A-B89B-A64DB508A9B6}" type="datetimeFigureOut">
               <a:rPr lang="en-BE" smtClean="0"/>
-              <a:t>24/03/2021</a:t>
+              <a:t>26/04/2021</a:t>
             </a:fld>
             <a:endParaRPr lang="en-BE"/>
           </a:p>
@@ -905,7 +1096,7 @@
           <a:p>
             <a:fld id="{3382CC1E-2B4A-E24A-B89B-A64DB508A9B6}" type="datetimeFigureOut">
               <a:rPr lang="en-BE" smtClean="0"/>
-              <a:t>24/03/2021</a:t>
+              <a:t>26/04/2021</a:t>
             </a:fld>
             <a:endParaRPr lang="en-BE"/>
           </a:p>
@@ -1115,7 +1306,7 @@
           <a:p>
             <a:fld id="{3382CC1E-2B4A-E24A-B89B-A64DB508A9B6}" type="datetimeFigureOut">
               <a:rPr lang="en-BE" smtClean="0"/>
-              <a:t>24/03/2021</a:t>
+              <a:t>26/04/2021</a:t>
             </a:fld>
             <a:endParaRPr lang="en-BE"/>
           </a:p>
@@ -1315,7 +1506,7 @@
           <a:p>
             <a:fld id="{3382CC1E-2B4A-E24A-B89B-A64DB508A9B6}" type="datetimeFigureOut">
               <a:rPr lang="en-BE" smtClean="0"/>
-              <a:t>24/03/2021</a:t>
+              <a:t>26/04/2021</a:t>
             </a:fld>
             <a:endParaRPr lang="en-BE"/>
           </a:p>
@@ -1591,7 +1782,7 @@
           <a:p>
             <a:fld id="{3382CC1E-2B4A-E24A-B89B-A64DB508A9B6}" type="datetimeFigureOut">
               <a:rPr lang="en-BE" smtClean="0"/>
-              <a:t>24/03/2021</a:t>
+              <a:t>26/04/2021</a:t>
             </a:fld>
             <a:endParaRPr lang="en-BE"/>
           </a:p>
@@ -1859,7 +2050,7 @@
           <a:p>
             <a:fld id="{3382CC1E-2B4A-E24A-B89B-A64DB508A9B6}" type="datetimeFigureOut">
               <a:rPr lang="en-BE" smtClean="0"/>
-              <a:t>24/03/2021</a:t>
+              <a:t>26/04/2021</a:t>
             </a:fld>
             <a:endParaRPr lang="en-BE"/>
           </a:p>
@@ -2274,7 +2465,7 @@
           <a:p>
             <a:fld id="{3382CC1E-2B4A-E24A-B89B-A64DB508A9B6}" type="datetimeFigureOut">
               <a:rPr lang="en-BE" smtClean="0"/>
-              <a:t>24/03/2021</a:t>
+              <a:t>26/04/2021</a:t>
             </a:fld>
             <a:endParaRPr lang="en-BE"/>
           </a:p>
@@ -2416,7 +2607,7 @@
           <a:p>
             <a:fld id="{3382CC1E-2B4A-E24A-B89B-A64DB508A9B6}" type="datetimeFigureOut">
               <a:rPr lang="en-BE" smtClean="0"/>
-              <a:t>24/03/2021</a:t>
+              <a:t>26/04/2021</a:t>
             </a:fld>
             <a:endParaRPr lang="en-BE"/>
           </a:p>
@@ -2529,7 +2720,7 @@
           <a:p>
             <a:fld id="{3382CC1E-2B4A-E24A-B89B-A64DB508A9B6}" type="datetimeFigureOut">
               <a:rPr lang="en-BE" smtClean="0"/>
-              <a:t>24/03/2021</a:t>
+              <a:t>26/04/2021</a:t>
             </a:fld>
             <a:endParaRPr lang="en-BE"/>
           </a:p>
@@ -2842,7 +3033,7 @@
           <a:p>
             <a:fld id="{3382CC1E-2B4A-E24A-B89B-A64DB508A9B6}" type="datetimeFigureOut">
               <a:rPr lang="en-BE" smtClean="0"/>
-              <a:t>24/03/2021</a:t>
+              <a:t>26/04/2021</a:t>
             </a:fld>
             <a:endParaRPr lang="en-BE"/>
           </a:p>
@@ -3131,7 +3322,7 @@
           <a:p>
             <a:fld id="{3382CC1E-2B4A-E24A-B89B-A64DB508A9B6}" type="datetimeFigureOut">
               <a:rPr lang="en-BE" smtClean="0"/>
-              <a:t>24/03/2021</a:t>
+              <a:t>26/04/2021</a:t>
             </a:fld>
             <a:endParaRPr lang="en-BE"/>
           </a:p>
@@ -3374,7 +3565,7 @@
           <a:p>
             <a:fld id="{3382CC1E-2B4A-E24A-B89B-A64DB508A9B6}" type="datetimeFigureOut">
               <a:rPr lang="en-BE" smtClean="0"/>
-              <a:t>24/03/2021</a:t>
+              <a:t>26/04/2021</a:t>
             </a:fld>
             <a:endParaRPr lang="en-BE"/>
           </a:p>
@@ -3815,8 +4006,8 @@
           <a:lstStyle/>
           <a:p>
             <a:r>
-              <a:rPr lang="en-BE" dirty="0"/>
-              <a:t>E2IMMU</a:t>
+              <a:rPr lang="en-BE" i="1" dirty="0"/>
+              <a:t>e2immu</a:t>
             </a:r>
             <a:br>
               <a:rPr lang="en-BE" dirty="0"/>
@@ -3865,7 +4056,7 @@
           <a:p>
             <a:r>
               <a:rPr lang="en-BE" dirty="0"/>
-              <a:t>Slide Deck 2: project organisation</a:t>
+              <a:t>Slide Deck 2: practical project organisation</a:t>
             </a:r>
           </a:p>
           <a:p>
@@ -3914,7 +4105,7 @@
           <p:cNvPr id="2" name="Title 1">
             <a:extLst>
               <a:ext uri="{FF2B5EF4-FFF2-40B4-BE49-F238E27FC236}">
-                <a16:creationId xmlns:a16="http://schemas.microsoft.com/office/drawing/2014/main" id="{A50779A3-4098-8543-9856-B401013B437A}"/>
+                <a16:creationId xmlns:a16="http://schemas.microsoft.com/office/drawing/2014/main" id="{6DCD6BE7-ACC3-0049-87B3-75FEA97EF4E9}"/>
               </a:ext>
             </a:extLst>
           </p:cNvPr>
@@ -3932,7 +4123,7 @@
           <a:p>
             <a:r>
               <a:rPr lang="en-BE" dirty="0"/>
-              <a:t>Running the analyzer</a:t>
+              <a:t>Running the IntelliJ plugin</a:t>
             </a:r>
           </a:p>
         </p:txBody>
@@ -3942,7 +4133,7 @@
           <p:cNvPr id="3" name="Content Placeholder 2">
             <a:extLst>
               <a:ext uri="{FF2B5EF4-FFF2-40B4-BE49-F238E27FC236}">
-                <a16:creationId xmlns:a16="http://schemas.microsoft.com/office/drawing/2014/main" id="{318E01F4-BC32-D641-9949-9206963724D9}"/>
+                <a16:creationId xmlns:a16="http://schemas.microsoft.com/office/drawing/2014/main" id="{C35CB08F-B814-5945-9F54-1BB7952D4751}"/>
               </a:ext>
             </a:extLst>
           </p:cNvPr>
@@ -3959,18 +4150,22 @@
           <a:lstStyle/>
           <a:p>
             <a:r>
-              <a:rPr lang="en-GB" dirty="0"/>
-              <a:t>R</a:t>
-            </a:r>
-            <a:r>
               <a:rPr lang="en-BE" dirty="0"/>
-              <a:t>unning directly from analyser-cli is possible but difficult: the path computations are arduous</a:t>
-            </a:r>
-          </a:p>
-          <a:p>
+              <a:t>For now I’ve only been able to start it from IntelliJ in debug mode</a:t>
+            </a:r>
+          </a:p>
+          <a:p>
+            <a:r>
+              <a:rPr lang="en-BE" dirty="0">
+                <a:highlight>
+                  <a:srgbClr val="FFFF00"/>
+                </a:highlight>
+              </a:rPr>
+              <a:t>TODO</a:t>
+            </a:r>
             <a:r>
               <a:rPr lang="en-BE" dirty="0"/>
-              <a:t>Running with Gradle requires a plugin resolution strategy in settings.gradle (see annotation store) until we go public and ask for our plugin to be uploaded to the Gradle repository</a:t>
+              <a:t> learn about how to install + publish locally, then later ask for the plugin to be uploaded to the IntelliJ plugin repository</a:t>
             </a:r>
           </a:p>
         </p:txBody>
@@ -3978,7 +4173,7 @@
     </p:spTree>
     <p:extLst>
       <p:ext uri="{BB962C8B-B14F-4D97-AF65-F5344CB8AC3E}">
-        <p14:creationId xmlns:p14="http://schemas.microsoft.com/office/powerpoint/2010/main" val="4281214299"/>
+        <p14:creationId xmlns:p14="http://schemas.microsoft.com/office/powerpoint/2010/main" val="1758272696"/>
       </p:ext>
     </p:extLst>
   </p:cSld>
@@ -4010,7 +4205,7 @@
           <p:cNvPr id="2" name="Title 1">
             <a:extLst>
               <a:ext uri="{FF2B5EF4-FFF2-40B4-BE49-F238E27FC236}">
-                <a16:creationId xmlns:a16="http://schemas.microsoft.com/office/drawing/2014/main" id="{5844C327-4438-864C-AF92-B33BF13BD8B3}"/>
+                <a16:creationId xmlns:a16="http://schemas.microsoft.com/office/drawing/2014/main" id="{08EEE482-3C6D-A04A-B8A7-8EA0D270A80E}"/>
               </a:ext>
             </a:extLst>
           </p:cNvPr>
@@ -4028,7 +4223,7 @@
           <a:p>
             <a:r>
               <a:rPr lang="en-BE" dirty="0"/>
-              <a:t>Building + running the annotation store</a:t>
+              <a:t>Building the website</a:t>
             </a:r>
           </a:p>
         </p:txBody>
@@ -4038,7 +4233,7 @@
           <p:cNvPr id="3" name="Content Placeholder 2">
             <a:extLst>
               <a:ext uri="{FF2B5EF4-FFF2-40B4-BE49-F238E27FC236}">
-                <a16:creationId xmlns:a16="http://schemas.microsoft.com/office/drawing/2014/main" id="{640E2908-F097-D94C-9666-488839DCEB05}"/>
+                <a16:creationId xmlns:a16="http://schemas.microsoft.com/office/drawing/2014/main" id="{D015A48A-1E61-AC48-B6B6-7A8007B0F9ED}"/>
               </a:ext>
             </a:extLst>
           </p:cNvPr>
@@ -4055,49 +4250,49 @@
           <a:lstStyle/>
           <a:p>
             <a:r>
+              <a:rPr lang="en-GB" dirty="0"/>
+              <a:t>S</a:t>
+            </a:r>
+            <a:r>
               <a:rPr lang="en-BE" dirty="0"/>
-              <a:t>That is rather simple: gradle run</a:t>
+              <a:t>ources in `git/e2immu-site`</a:t>
             </a:r>
           </a:p>
           <a:p>
             <a:r>
               <a:rPr lang="en-BE" dirty="0"/>
-              <a:t>More interesting is trying to run the analyser on the code (2 classes </a:t>
-            </a:r>
-            <a:r>
-              <a:rPr lang="en-BE" dirty="0">
-                <a:sym typeface="Wingdings" pitchFamily="2" charset="2"/>
-              </a:rPr>
-              <a:t>) of the annotation store. Interesting because it uses vertx.io, which will require its dedicated AnnotatedAPI files (</a:t>
-            </a:r>
-            <a:r>
-              <a:rPr lang="en-BE" dirty="0">
-                <a:highlight>
-                  <a:srgbClr val="FFFF00"/>
-                </a:highlight>
-                <a:sym typeface="Wingdings" pitchFamily="2" charset="2"/>
-              </a:rPr>
-              <a:t>TODO</a:t>
-            </a:r>
-            <a:r>
-              <a:rPr lang="en-BE" dirty="0">
-                <a:sym typeface="Wingdings" pitchFamily="2" charset="2"/>
-              </a:rPr>
-              <a:t> make some)</a:t>
+              <a:t>deploy.sh: builds the site with Hugo, then commits the changes in the ‘public’ folder. This has now been superseded by the GitHub actions</a:t>
+            </a:r>
+          </a:p>
+          <a:p>
+            <a:r>
+              <a:rPr lang="en-GB" dirty="0"/>
+              <a:t>T</a:t>
+            </a:r>
+            <a:r>
+              <a:rPr lang="en-BE" dirty="0"/>
+              <a:t>he ‘public’ folder is linked to the `e2immu.github.io` project, so pushing to master there actually updates the website</a:t>
             </a:r>
           </a:p>
           <a:p>
             <a:endParaRPr lang="en-BE" dirty="0"/>
           </a:p>
           <a:p>
-            <a:endParaRPr lang="en-BE" dirty="0"/>
+            <a:r>
+              <a:rPr lang="en-GB" dirty="0"/>
+              <a:t>E</a:t>
+            </a:r>
+            <a:r>
+              <a:rPr lang="en-BE" dirty="0"/>
+              <a:t>2immu-documentation and e2immu-support both push content into the `static/docs` folder of the website. This also happens via GitHub actions</a:t>
+            </a:r>
           </a:p>
         </p:txBody>
       </p:sp>
     </p:spTree>
     <p:extLst>
       <p:ext uri="{BB962C8B-B14F-4D97-AF65-F5344CB8AC3E}">
-        <p14:creationId xmlns:p14="http://schemas.microsoft.com/office/powerpoint/2010/main" val="244339610"/>
+        <p14:creationId xmlns:p14="http://schemas.microsoft.com/office/powerpoint/2010/main" val="4119228352"/>
       </p:ext>
     </p:extLst>
   </p:cSld>
@@ -4129,7 +4324,7 @@
           <p:cNvPr id="2" name="Title 1">
             <a:extLst>
               <a:ext uri="{FF2B5EF4-FFF2-40B4-BE49-F238E27FC236}">
-                <a16:creationId xmlns:a16="http://schemas.microsoft.com/office/drawing/2014/main" id="{6DCD6BE7-ACC3-0049-87B3-75FEA97EF4E9}"/>
+                <a16:creationId xmlns:a16="http://schemas.microsoft.com/office/drawing/2014/main" id="{7271FB09-9E3B-D94C-918E-1BFEE2C5C048}"/>
               </a:ext>
             </a:extLst>
           </p:cNvPr>
@@ -4147,7 +4342,7 @@
           <a:p>
             <a:r>
               <a:rPr lang="en-BE" dirty="0"/>
-              <a:t>Running the IntelliJ plugin</a:t>
+              <a:t>Licenses</a:t>
             </a:r>
           </a:p>
         </p:txBody>
@@ -4157,7 +4352,7 @@
           <p:cNvPr id="3" name="Content Placeholder 2">
             <a:extLst>
               <a:ext uri="{FF2B5EF4-FFF2-40B4-BE49-F238E27FC236}">
-                <a16:creationId xmlns:a16="http://schemas.microsoft.com/office/drawing/2014/main" id="{C35CB08F-B814-5945-9F54-1BB7952D4751}"/>
+                <a16:creationId xmlns:a16="http://schemas.microsoft.com/office/drawing/2014/main" id="{00F89D0D-C495-6D4E-B9F7-4D1486315FB6}"/>
               </a:ext>
             </a:extLst>
           </p:cNvPr>
@@ -4175,177 +4370,45 @@
           <a:p>
             <a:r>
               <a:rPr lang="en-BE" dirty="0"/>
-              <a:t>For now I’ve only been able to start it from IntelliJ in debug mode</a:t>
-            </a:r>
-          </a:p>
-          <a:p>
-            <a:r>
-              <a:rPr lang="en-BE" dirty="0">
-                <a:highlight>
-                  <a:srgbClr val="FFFF00"/>
-                </a:highlight>
-              </a:rPr>
-              <a:t>TODO</a:t>
-            </a:r>
+              <a:t>All material of the project (even documentation) is licensed under the LGPL v3</a:t>
+            </a:r>
+          </a:p>
+          <a:p>
             <a:r>
               <a:rPr lang="en-BE" dirty="0"/>
-              <a:t> learn about how to install + publish locally, then later ask for the plugin to be uploaded to the IntelliJ plugin repository</a:t>
-            </a:r>
+              <a:t>Every project needs an unchanged COPYING with the GPL, and COPYING.LESSER with the LGPL text</a:t>
+            </a:r>
+          </a:p>
+          <a:p>
+            <a:r>
+              <a:rPr lang="en-BE" dirty="0"/>
+              <a:t>Every project needs a README or LICENSE file with the details about licensing</a:t>
+            </a:r>
+          </a:p>
+          <a:p>
+            <a:endParaRPr lang="en-BE" dirty="0"/>
+          </a:p>
+          <a:p>
+            <a:endParaRPr lang="en-BE" dirty="0"/>
+          </a:p>
+          <a:p>
+            <a:r>
+              <a:rPr lang="en-BE" dirty="0"/>
+              <a:t>No worries about licenses of dependencies</a:t>
+            </a:r>
+          </a:p>
+          <a:p>
+            <a:pPr marL="0" indent="0">
+              <a:buNone/>
+            </a:pPr>
+            <a:endParaRPr lang="en-BE" dirty="0"/>
           </a:p>
         </p:txBody>
       </p:sp>
     </p:spTree>
     <p:extLst>
       <p:ext uri="{BB962C8B-B14F-4D97-AF65-F5344CB8AC3E}">
-        <p14:creationId xmlns:p14="http://schemas.microsoft.com/office/powerpoint/2010/main" val="1758272696"/>
-      </p:ext>
-    </p:extLst>
-  </p:cSld>
-  <p:clrMapOvr>
-    <a:masterClrMapping/>
-  </p:clrMapOvr>
-</p:sld>
-</file>
-
-<file path=ppt/slides/slide13.xml><?xml version="1.0" encoding="utf-8"?>
-<p:sld xmlns:a="http://schemas.openxmlformats.org/drawingml/2006/main" xmlns:r="http://schemas.openxmlformats.org/officeDocument/2006/relationships" xmlns:p="http://schemas.openxmlformats.org/presentationml/2006/main">
-  <p:cSld>
-    <p:spTree>
-      <p:nvGrpSpPr>
-        <p:cNvPr id="1" name=""/>
-        <p:cNvGrpSpPr/>
-        <p:nvPr/>
-      </p:nvGrpSpPr>
-      <p:grpSpPr>
-        <a:xfrm>
-          <a:off x="0" y="0"/>
-          <a:ext cx="0" cy="0"/>
-          <a:chOff x="0" y="0"/>
-          <a:chExt cx="0" cy="0"/>
-        </a:xfrm>
-      </p:grpSpPr>
-      <p:sp>
-        <p:nvSpPr>
-          <p:cNvPr id="2" name="Title 1">
-            <a:extLst>
-              <a:ext uri="{FF2B5EF4-FFF2-40B4-BE49-F238E27FC236}">
-                <a16:creationId xmlns:a16="http://schemas.microsoft.com/office/drawing/2014/main" id="{08EEE482-3C6D-A04A-B8A7-8EA0D270A80E}"/>
-              </a:ext>
-            </a:extLst>
-          </p:cNvPr>
-          <p:cNvSpPr>
-            <a:spLocks noGrp="1"/>
-          </p:cNvSpPr>
-          <p:nvPr>
-            <p:ph type="title"/>
-          </p:nvPr>
-        </p:nvSpPr>
-        <p:spPr/>
-        <p:txBody>
-          <a:bodyPr/>
-          <a:lstStyle/>
-          <a:p>
-            <a:r>
-              <a:rPr lang="en-BE" dirty="0"/>
-              <a:t>Building the website</a:t>
-            </a:r>
-          </a:p>
-        </p:txBody>
-      </p:sp>
-      <p:sp>
-        <p:nvSpPr>
-          <p:cNvPr id="3" name="Content Placeholder 2">
-            <a:extLst>
-              <a:ext uri="{FF2B5EF4-FFF2-40B4-BE49-F238E27FC236}">
-                <a16:creationId xmlns:a16="http://schemas.microsoft.com/office/drawing/2014/main" id="{D015A48A-1E61-AC48-B6B6-7A8007B0F9ED}"/>
-              </a:ext>
-            </a:extLst>
-          </p:cNvPr>
-          <p:cNvSpPr>
-            <a:spLocks noGrp="1"/>
-          </p:cNvSpPr>
-          <p:nvPr>
-            <p:ph idx="1"/>
-          </p:nvPr>
-        </p:nvSpPr>
-        <p:spPr/>
-        <p:txBody>
-          <a:bodyPr/>
-          <a:lstStyle/>
-          <a:p>
-            <a:r>
-              <a:rPr lang="en-GB" dirty="0"/>
-              <a:t>S</a:t>
-            </a:r>
-            <a:r>
-              <a:rPr lang="en-BE" dirty="0"/>
-              <a:t>ources in `git/e2immu-site`</a:t>
-            </a:r>
-          </a:p>
-          <a:p>
-            <a:r>
-              <a:rPr lang="en-BE" dirty="0"/>
-              <a:t>deploy.sh: builds the site with Hugo, then commits the changes in the ‘public’ folder</a:t>
-            </a:r>
-          </a:p>
-          <a:p>
-            <a:r>
-              <a:rPr lang="en-GB" dirty="0"/>
-              <a:t>T</a:t>
-            </a:r>
-            <a:r>
-              <a:rPr lang="en-BE" dirty="0"/>
-              <a:t>he ‘public’ folder is linked to the `e2immu.github.io` project, so pushing to master there actually updates the website</a:t>
-            </a:r>
-          </a:p>
-          <a:p>
-            <a:r>
-              <a:rPr lang="en-BE" dirty="0">
-                <a:highlight>
-                  <a:srgbClr val="FFFF00"/>
-                </a:highlight>
-              </a:rPr>
-              <a:t>TODO</a:t>
-            </a:r>
-            <a:r>
-              <a:rPr lang="en-BE" dirty="0"/>
-              <a:t>: “hidden” folder in website so we can start develop it</a:t>
-            </a:r>
-          </a:p>
-          <a:p>
-            <a:r>
-              <a:rPr lang="en-BE" dirty="0">
-                <a:highlight>
-                  <a:srgbClr val="FFFF00"/>
-                </a:highlight>
-              </a:rPr>
-              <a:t>TODO</a:t>
-            </a:r>
-            <a:r>
-              <a:rPr lang="en-BE" dirty="0"/>
-              <a:t>: scripted transfer of the javadoc from e2immu-support project to the website</a:t>
-            </a:r>
-          </a:p>
-          <a:p>
-            <a:r>
-              <a:rPr lang="en-BE" dirty="0">
-                <a:highlight>
-                  <a:srgbClr val="FFFF00"/>
-                </a:highlight>
-              </a:rPr>
-              <a:t>TODO</a:t>
-            </a:r>
-            <a:r>
-              <a:rPr lang="en-BE" dirty="0"/>
-              <a:t>: build skeleton, so these slide decks can be uploaded as well</a:t>
-            </a:r>
-          </a:p>
-        </p:txBody>
-      </p:sp>
-    </p:spTree>
-    <p:extLst>
-      <p:ext uri="{BB962C8B-B14F-4D97-AF65-F5344CB8AC3E}">
-        <p14:creationId xmlns:p14="http://schemas.microsoft.com/office/powerpoint/2010/main" val="4119228352"/>
+        <p14:creationId xmlns:p14="http://schemas.microsoft.com/office/powerpoint/2010/main" val="3167132552"/>
       </p:ext>
     </p:extLst>
   </p:cSld>
@@ -4377,7 +4440,7 @@
           <p:cNvPr id="2" name="Title 1">
             <a:extLst>
               <a:ext uri="{FF2B5EF4-FFF2-40B4-BE49-F238E27FC236}">
-                <a16:creationId xmlns:a16="http://schemas.microsoft.com/office/drawing/2014/main" id="{7271FB09-9E3B-D94C-918E-1BFEE2C5C048}"/>
+                <a16:creationId xmlns:a16="http://schemas.microsoft.com/office/drawing/2014/main" id="{9D62B8BA-186B-2643-824B-E9EA54191A01}"/>
               </a:ext>
             </a:extLst>
           </p:cNvPr>
@@ -4395,7 +4458,7 @@
           <a:p>
             <a:r>
               <a:rPr lang="en-BE" dirty="0"/>
-              <a:t>Licenses</a:t>
+              <a:t>On GitHub</a:t>
             </a:r>
           </a:p>
         </p:txBody>
@@ -4405,7 +4468,7 @@
           <p:cNvPr id="3" name="Content Placeholder 2">
             <a:extLst>
               <a:ext uri="{FF2B5EF4-FFF2-40B4-BE49-F238E27FC236}">
-                <a16:creationId xmlns:a16="http://schemas.microsoft.com/office/drawing/2014/main" id="{00F89D0D-C495-6D4E-B9F7-4D1486315FB6}"/>
+                <a16:creationId xmlns:a16="http://schemas.microsoft.com/office/drawing/2014/main" id="{3FEB2BDD-8F11-0543-866E-8DD3C4EDAA83}"/>
               </a:ext>
             </a:extLst>
           </p:cNvPr>
@@ -4418,50 +4481,83 @@
         </p:nvSpPr>
         <p:spPr/>
         <p:txBody>
-          <a:bodyPr/>
-          <a:lstStyle/>
-          <a:p>
-            <a:r>
-              <a:rPr lang="en-BE" dirty="0"/>
-              <a:t>All material of the project (even documentation) is licensed under the LGPL v3</a:t>
-            </a:r>
-          </a:p>
-          <a:p>
-            <a:r>
-              <a:rPr lang="en-BE" dirty="0"/>
-              <a:t>Every project needs an unchanged COPYING with the GPL, and COPYING.LESSER with the LGPL text</a:t>
-            </a:r>
-          </a:p>
-          <a:p>
-            <a:r>
-              <a:rPr lang="en-BE" dirty="0"/>
-              <a:t>Every project needs a README or LICENSE file with the details about licensing</a:t>
-            </a:r>
-          </a:p>
-          <a:p>
-            <a:endParaRPr lang="en-BE" dirty="0"/>
-          </a:p>
-          <a:p>
-            <a:endParaRPr lang="en-BE" dirty="0"/>
-          </a:p>
-          <a:p>
-            <a:r>
-              <a:rPr lang="en-BE" dirty="0"/>
-              <a:t>No worries about licenses of dependencies</a:t>
-            </a:r>
-          </a:p>
-          <a:p>
-            <a:pPr marL="0" indent="0">
-              <a:buNone/>
-            </a:pPr>
-            <a:endParaRPr lang="en-BE" dirty="0"/>
+          <a:bodyPr>
+            <a:normAutofit lnSpcReduction="10000"/>
+          </a:bodyPr>
+          <a:lstStyle/>
+          <a:p>
+            <a:r>
+              <a:rPr lang="en-US" i="1" dirty="0"/>
+              <a:t>e2immu</a:t>
+            </a:r>
+            <a:r>
+              <a:rPr lang="en-US" dirty="0"/>
+              <a:t>: the main analyzer library, command line lib, store uploader lib, Gradle plugin, documentation. For developers.</a:t>
+            </a:r>
+          </a:p>
+          <a:p>
+            <a:r>
+              <a:rPr lang="en-US" i="1" dirty="0"/>
+              <a:t>e2immu-support</a:t>
+            </a:r>
+            <a:r>
+              <a:rPr lang="en-US" dirty="0"/>
+              <a:t>: support classes and annotations, to be linked to your project. For users.</a:t>
+            </a:r>
+          </a:p>
+          <a:p>
+            <a:r>
+              <a:rPr lang="en-US" i="1" dirty="0"/>
+              <a:t>e2immu-annotation-store</a:t>
+            </a:r>
+            <a:r>
+              <a:rPr lang="en-US" dirty="0"/>
+              <a:t>: small helper application, for now needed when using the IntelliJ plugin. Acts as a demo application for the analyzer</a:t>
+            </a:r>
+          </a:p>
+          <a:p>
+            <a:r>
+              <a:rPr lang="en-US" i="1" dirty="0"/>
+              <a:t>e2immu-intellij-plugin</a:t>
+            </a:r>
+            <a:r>
+              <a:rPr lang="en-US" dirty="0"/>
+              <a:t>: code still needs a lot of attention</a:t>
+            </a:r>
+          </a:p>
+          <a:p>
+            <a:r>
+              <a:rPr lang="en-US" i="1" dirty="0"/>
+              <a:t>e2immu-site</a:t>
+            </a:r>
+            <a:r>
+              <a:rPr lang="en-US" dirty="0"/>
+              <a:t>: Hugo sources for the website </a:t>
+            </a:r>
+            <a:r>
+              <a:rPr lang="en-US" dirty="0">
+                <a:hlinkClick r:id="rId3"/>
+              </a:rPr>
+              <a:t>https://www.e2immu.org</a:t>
+            </a:r>
+            <a:endParaRPr lang="en-US" dirty="0"/>
+          </a:p>
+          <a:p>
+            <a:r>
+              <a:rPr lang="en-US" i="1" dirty="0"/>
+              <a:t>e2immu.github.io</a:t>
+            </a:r>
+            <a:r>
+              <a:rPr lang="en-US" dirty="0"/>
+              <a:t>: the actual website</a:t>
+            </a:r>
           </a:p>
         </p:txBody>
       </p:sp>
     </p:spTree>
     <p:extLst>
       <p:ext uri="{BB962C8B-B14F-4D97-AF65-F5344CB8AC3E}">
-        <p14:creationId xmlns:p14="http://schemas.microsoft.com/office/powerpoint/2010/main" val="3167132552"/>
+        <p14:creationId xmlns:p14="http://schemas.microsoft.com/office/powerpoint/2010/main" val="4164299287"/>
       </p:ext>
     </p:extLst>
   </p:cSld>
@@ -4493,7 +4589,7 @@
           <p:cNvPr id="2" name="Title 1">
             <a:extLst>
               <a:ext uri="{FF2B5EF4-FFF2-40B4-BE49-F238E27FC236}">
-                <a16:creationId xmlns:a16="http://schemas.microsoft.com/office/drawing/2014/main" id="{9D62B8BA-186B-2643-824B-E9EA54191A01}"/>
+                <a16:creationId xmlns:a16="http://schemas.microsoft.com/office/drawing/2014/main" id="{28E80D46-8EDD-6B49-8DA4-B03A9E1B4419}"/>
               </a:ext>
             </a:extLst>
           </p:cNvPr>
@@ -4511,7 +4607,7 @@
           <a:p>
             <a:r>
               <a:rPr lang="en-BE" dirty="0"/>
-              <a:t>On GitHub</a:t>
+              <a:t>Java versions</a:t>
             </a:r>
           </a:p>
         </p:txBody>
@@ -4521,7 +4617,7 @@
           <p:cNvPr id="3" name="Content Placeholder 2">
             <a:extLst>
               <a:ext uri="{FF2B5EF4-FFF2-40B4-BE49-F238E27FC236}">
-                <a16:creationId xmlns:a16="http://schemas.microsoft.com/office/drawing/2014/main" id="{3FEB2BDD-8F11-0543-866E-8DD3C4EDAA83}"/>
+                <a16:creationId xmlns:a16="http://schemas.microsoft.com/office/drawing/2014/main" id="{B17D4D83-D5FB-E240-9DCD-4DCA3BDBF90F}"/>
               </a:ext>
             </a:extLst>
           </p:cNvPr>
@@ -4535,74 +4631,41 @@
         <p:spPr/>
         <p:txBody>
           <a:bodyPr>
-            <a:normAutofit lnSpcReduction="10000"/>
+            <a:normAutofit/>
           </a:bodyPr>
           <a:lstStyle/>
           <a:p>
             <a:r>
-              <a:rPr lang="en-US" i="1" dirty="0"/>
-              <a:t>e2immu</a:t>
-            </a:r>
-            <a:r>
-              <a:rPr lang="en-US" dirty="0"/>
-              <a:t>: the main analyzer library, command line lib, store uploader lib, Gradle plugin, documentation. For developers.</a:t>
-            </a:r>
-          </a:p>
-          <a:p>
-            <a:r>
-              <a:rPr lang="en-US" i="1" dirty="0"/>
-              <a:t>e2immu-support</a:t>
-            </a:r>
-            <a:r>
-              <a:rPr lang="en-US" dirty="0"/>
-              <a:t>: support classes and annotations, to be linked to your project. For users.</a:t>
-            </a:r>
-          </a:p>
-          <a:p>
-            <a:r>
-              <a:rPr lang="en-US" i="1" dirty="0"/>
-              <a:t>e2immu-annotation-store</a:t>
-            </a:r>
-            <a:r>
-              <a:rPr lang="en-US" dirty="0"/>
-              <a:t>: small helper application, for now needed when using the IntelliJ plugin. Acts as a demo application for the analyzer</a:t>
-            </a:r>
-          </a:p>
-          <a:p>
-            <a:r>
-              <a:rPr lang="en-US" i="1" dirty="0"/>
-              <a:t>e2immu-intellij-plugin</a:t>
-            </a:r>
-            <a:r>
-              <a:rPr lang="en-US" dirty="0"/>
-              <a:t>: code needs a lot of attention</a:t>
-            </a:r>
-          </a:p>
-          <a:p>
-            <a:r>
-              <a:rPr lang="en-US" i="1" dirty="0"/>
-              <a:t>e2immu-site</a:t>
-            </a:r>
-            <a:r>
-              <a:rPr lang="en-US" dirty="0"/>
-              <a:t>: Hugo sources for the website </a:t>
-            </a:r>
-            <a:r>
-              <a:rPr lang="en-US" dirty="0">
-                <a:hlinkClick r:id="rId3"/>
-              </a:rPr>
-              <a:t>https://www.e2immu.org</a:t>
-            </a:r>
-            <a:endParaRPr lang="en-US" dirty="0"/>
-          </a:p>
-          <a:p>
-            <a:r>
-              <a:rPr lang="en-US" i="1" dirty="0"/>
-              <a:t>e2immu.github.io</a:t>
-            </a:r>
-            <a:r>
-              <a:rPr lang="en-US" dirty="0"/>
-              <a:t>: the actual website</a:t>
+              <a:rPr lang="en-GB" dirty="0"/>
+              <a:t>S</a:t>
+            </a:r>
+            <a:r>
+              <a:rPr lang="en-BE" dirty="0"/>
+              <a:t>upport classes require Java 10+ API (while being language version 8)</a:t>
+            </a:r>
+          </a:p>
+          <a:p>
+            <a:r>
+              <a:rPr lang="en-BE" dirty="0"/>
+              <a:t>IntelliJ plugin is Java 8</a:t>
+            </a:r>
+          </a:p>
+          <a:p>
+            <a:r>
+              <a:rPr lang="en-BE" dirty="0"/>
+              <a:t>Annotated API is also Java 8 (see next slide)</a:t>
+            </a:r>
+          </a:p>
+          <a:p>
+            <a:r>
+              <a:rPr lang="en-BE" dirty="0"/>
+              <a:t>The main analyser uses Java 16 language features, and API. I’m building with a Java 16 JDK on Mac OS.</a:t>
+            </a:r>
+          </a:p>
+          <a:p>
+            <a:r>
+              <a:rPr lang="en-BE" dirty="0"/>
+              <a:t>Gradle 7.0+ is required to work with Java 16. A gradle wrapper has been installed so that others don’t need to install Gradle.</a:t>
             </a:r>
           </a:p>
         </p:txBody>
@@ -4610,7 +4673,7 @@
     </p:spTree>
     <p:extLst>
       <p:ext uri="{BB962C8B-B14F-4D97-AF65-F5344CB8AC3E}">
-        <p14:creationId xmlns:p14="http://schemas.microsoft.com/office/powerpoint/2010/main" val="4164299287"/>
+        <p14:creationId xmlns:p14="http://schemas.microsoft.com/office/powerpoint/2010/main" val="364461480"/>
       </p:ext>
     </p:extLst>
   </p:cSld>
@@ -4642,7 +4705,7 @@
           <p:cNvPr id="2" name="Title 1">
             <a:extLst>
               <a:ext uri="{FF2B5EF4-FFF2-40B4-BE49-F238E27FC236}">
-                <a16:creationId xmlns:a16="http://schemas.microsoft.com/office/drawing/2014/main" id="{F5676693-7145-534A-81A3-6ABFAA4AFA96}"/>
+                <a16:creationId xmlns:a16="http://schemas.microsoft.com/office/drawing/2014/main" id="{9CE258F5-BE80-1C40-9409-026F0D8A1166}"/>
               </a:ext>
             </a:extLst>
           </p:cNvPr>
@@ -4660,7 +4723,7 @@
           <a:p>
             <a:r>
               <a:rPr lang="en-BE" dirty="0"/>
-              <a:t>GitHub management</a:t>
+              <a:t>Java versions supported by analyser</a:t>
             </a:r>
           </a:p>
         </p:txBody>
@@ -4670,7 +4733,7 @@
           <p:cNvPr id="3" name="Content Placeholder 2">
             <a:extLst>
               <a:ext uri="{FF2B5EF4-FFF2-40B4-BE49-F238E27FC236}">
-                <a16:creationId xmlns:a16="http://schemas.microsoft.com/office/drawing/2014/main" id="{436EAE12-7853-E745-9129-FAECB22DE5A6}"/>
+                <a16:creationId xmlns:a16="http://schemas.microsoft.com/office/drawing/2014/main" id="{F28434E4-F96A-2B44-BCCF-4B980E15081B}"/>
               </a:ext>
             </a:extLst>
           </p:cNvPr>
@@ -4688,28 +4751,14 @@
           <a:p>
             <a:r>
               <a:rPr lang="en-BE" dirty="0"/>
-              <a:t>All significant changes at some point will need to be associated with an issue, divided up into projects</a:t>
-            </a:r>
-          </a:p>
-          <a:p>
-            <a:r>
-              <a:rPr lang="en-GB" dirty="0">
-                <a:highlight>
-                  <a:srgbClr val="FFFF00"/>
-                </a:highlight>
-              </a:rPr>
-              <a:t>TODO</a:t>
-            </a:r>
-            <a:r>
-              <a:rPr lang="en-GB" dirty="0"/>
-              <a:t> T</a:t>
-            </a:r>
+              <a:t>The analyser currently uses ASM9 which can read .class files of Java 15 with preview features</a:t>
+            </a:r>
+          </a:p>
+          <a:p>
             <a:r>
               <a:rPr lang="en-BE" dirty="0"/>
-              <a:t>here is some old material, needs cleaning up</a:t>
-            </a:r>
-          </a:p>
-          <a:p>
+              <a:t>The source parser “javaparser.org” currently cannot read &gt;11 constructs. </a:t>
+            </a:r>
             <a:r>
               <a:rPr lang="en-BE" dirty="0">
                 <a:highlight>
@@ -4720,7 +4769,7 @@
             </a:r>
             <a:r>
               <a:rPr lang="en-BE" dirty="0"/>
-              <a:t> we/I need to learn how to work with/evaluate pull requests</a:t>
+              <a:t> find out if there’s some bleeding edge version that can at least parse the constructs, so we can expand the inspection section of the analyser</a:t>
             </a:r>
           </a:p>
         </p:txBody>
@@ -4728,7 +4777,7 @@
     </p:spTree>
     <p:extLst>
       <p:ext uri="{BB962C8B-B14F-4D97-AF65-F5344CB8AC3E}">
-        <p14:creationId xmlns:p14="http://schemas.microsoft.com/office/powerpoint/2010/main" val="3145177522"/>
+        <p14:creationId xmlns:p14="http://schemas.microsoft.com/office/powerpoint/2010/main" val="522637701"/>
       </p:ext>
     </p:extLst>
   </p:cSld>
@@ -4760,7 +4809,7 @@
           <p:cNvPr id="2" name="Title 1">
             <a:extLst>
               <a:ext uri="{FF2B5EF4-FFF2-40B4-BE49-F238E27FC236}">
-                <a16:creationId xmlns:a16="http://schemas.microsoft.com/office/drawing/2014/main" id="{28E80D46-8EDD-6B49-8DA4-B03A9E1B4419}"/>
+                <a16:creationId xmlns:a16="http://schemas.microsoft.com/office/drawing/2014/main" id="{51CC6C1C-3479-EF4F-9AC5-101DDCA0E1BE}"/>
               </a:ext>
             </a:extLst>
           </p:cNvPr>
@@ -4778,7 +4827,7 @@
           <a:p>
             <a:r>
               <a:rPr lang="en-BE" dirty="0"/>
-              <a:t>Java versions</a:t>
+              <a:t>Local Git Layout</a:t>
             </a:r>
           </a:p>
         </p:txBody>
@@ -4788,7 +4837,7 @@
           <p:cNvPr id="3" name="Content Placeholder 2">
             <a:extLst>
               <a:ext uri="{FF2B5EF4-FFF2-40B4-BE49-F238E27FC236}">
-                <a16:creationId xmlns:a16="http://schemas.microsoft.com/office/drawing/2014/main" id="{B17D4D83-D5FB-E240-9DCD-4DCA3BDBF90F}"/>
+                <a16:creationId xmlns:a16="http://schemas.microsoft.com/office/drawing/2014/main" id="{E56D5C14-BC1E-B047-8110-2144E85235A8}"/>
               </a:ext>
             </a:extLst>
           </p:cNvPr>
@@ -4806,57 +4855,42 @@
           <a:p>
             <a:r>
               <a:rPr lang="en-GB" dirty="0"/>
-              <a:t>S</a:t>
-            </a:r>
-            <a:r>
-              <a:rPr lang="en-BE" dirty="0"/>
-              <a:t>upport classes and IntelliJ plugin are Java 8, for maximal compatibility. AnnotatedAPI is also Java 8 (see next slide)</a:t>
-            </a:r>
-          </a:p>
-          <a:p>
-            <a:r>
-              <a:rPr lang="en-BE" dirty="0"/>
-              <a:t>The main analyser uses Java 15 preview features. I’m building with a Java 15 JDK. Java 16 JDK DOES NOT YET WORK with Gradle.</a:t>
-            </a:r>
-          </a:p>
-          <a:p>
-            <a:r>
-              <a:rPr lang="en-BE" dirty="0"/>
-              <a:t>Be careful: Brew on Mac will automatically install a version 16</a:t>
-            </a:r>
-          </a:p>
-          <a:p>
-            <a:r>
-              <a:rPr lang="en-BE" dirty="0">
-                <a:solidFill>
-                  <a:srgbClr val="FF0000"/>
-                </a:solidFill>
-              </a:rPr>
-              <a:t>PROBLEM</a:t>
-            </a:r>
-            <a:r>
-              <a:rPr lang="en-BE" dirty="0"/>
-              <a:t>: Gradle 6.8.3 (current on Brew/Mac) cannot execute the plugin, as it still uses an old version of ASM. </a:t>
-            </a:r>
-            <a:r>
-              <a:rPr lang="en-BE" dirty="0">
-                <a:highlight>
-                  <a:srgbClr val="FFFF00"/>
-                </a:highlight>
-              </a:rPr>
-              <a:t>TODO</a:t>
-            </a:r>
-            <a:r>
-              <a:rPr lang="en-BE" dirty="0"/>
-              <a:t> make a patch for them, should be a few hour’s work, simply update to ASM9, changing all constants ASM8 -&gt; ASM9</a:t>
-            </a:r>
+              <a:t>Locally, I have all projects checked out next to each other</a:t>
+            </a:r>
+          </a:p>
+          <a:p>
+            <a:r>
+              <a:rPr lang="en-GB" dirty="0"/>
+              <a:t>Some tests in the analyser refer to the support classes using `../e2immu-support/</a:t>
+            </a:r>
+            <a:r>
+              <a:rPr lang="en-GB" dirty="0" err="1"/>
+              <a:t>src</a:t>
+            </a:r>
+            <a:r>
+              <a:rPr lang="en-GB" dirty="0"/>
+              <a:t>/main/java/…`</a:t>
+            </a:r>
+            <a:endParaRPr lang="en-BE" dirty="0"/>
+          </a:p>
+          <a:p>
+            <a:endParaRPr lang="en-BE" dirty="0"/>
+          </a:p>
+          <a:p>
+            <a:endParaRPr lang="en-BE" dirty="0"/>
+          </a:p>
+          <a:p>
+            <a:pPr marL="0" indent="0">
+              <a:buNone/>
+            </a:pPr>
+            <a:endParaRPr lang="en-BE" dirty="0"/>
           </a:p>
         </p:txBody>
       </p:sp>
     </p:spTree>
     <p:extLst>
       <p:ext uri="{BB962C8B-B14F-4D97-AF65-F5344CB8AC3E}">
-        <p14:creationId xmlns:p14="http://schemas.microsoft.com/office/powerpoint/2010/main" val="364461480"/>
+        <p14:creationId xmlns:p14="http://schemas.microsoft.com/office/powerpoint/2010/main" val="1809244579"/>
       </p:ext>
     </p:extLst>
   </p:cSld>
@@ -4888,7 +4922,7 @@
           <p:cNvPr id="2" name="Title 1">
             <a:extLst>
               <a:ext uri="{FF2B5EF4-FFF2-40B4-BE49-F238E27FC236}">
-                <a16:creationId xmlns:a16="http://schemas.microsoft.com/office/drawing/2014/main" id="{9CE258F5-BE80-1C40-9409-026F0D8A1166}"/>
+                <a16:creationId xmlns:a16="http://schemas.microsoft.com/office/drawing/2014/main" id="{811D7742-EE17-9D40-A347-4331CD74F370}"/>
               </a:ext>
             </a:extLst>
           </p:cNvPr>
@@ -4906,7 +4940,7 @@
           <a:p>
             <a:r>
               <a:rPr lang="en-BE" dirty="0"/>
-              <a:t>Java versions supported by analyser</a:t>
+              <a:t>Building</a:t>
             </a:r>
           </a:p>
         </p:txBody>
@@ -4916,7 +4950,7 @@
           <p:cNvPr id="3" name="Content Placeholder 2">
             <a:extLst>
               <a:ext uri="{FF2B5EF4-FFF2-40B4-BE49-F238E27FC236}">
-                <a16:creationId xmlns:a16="http://schemas.microsoft.com/office/drawing/2014/main" id="{F28434E4-F96A-2B44-BCCF-4B980E15081B}"/>
+                <a16:creationId xmlns:a16="http://schemas.microsoft.com/office/drawing/2014/main" id="{8D15115C-610F-F446-A6DD-509DD4D0D767}"/>
               </a:ext>
             </a:extLst>
           </p:cNvPr>
@@ -4934,25 +4968,7 @@
           <a:p>
             <a:r>
               <a:rPr lang="en-BE" dirty="0"/>
-              <a:t>The analyser uses ASM9 which can read .class files of Java 15</a:t>
-            </a:r>
-          </a:p>
-          <a:p>
-            <a:r>
-              <a:rPr lang="en-BE" dirty="0"/>
-              <a:t>The source parser “javaparser.org” currently cannot read &gt;11 constructs. </a:t>
-            </a:r>
-            <a:r>
-              <a:rPr lang="en-BE" dirty="0">
-                <a:highlight>
-                  <a:srgbClr val="FFFF00"/>
-                </a:highlight>
-              </a:rPr>
-              <a:t>TODO</a:t>
-            </a:r>
-            <a:r>
-              <a:rPr lang="en-BE" dirty="0"/>
-              <a:t> find out if there’s some bleeding edge version that can at least parse the constructs, so we can expand the inspection section of the analyser</a:t>
+              <a:t>Some tests in the analyser have been moved to `testsfailing`, they’re not run</a:t>
             </a:r>
           </a:p>
         </p:txBody>
@@ -4960,7 +4976,7 @@
     </p:spTree>
     <p:extLst>
       <p:ext uri="{BB962C8B-B14F-4D97-AF65-F5344CB8AC3E}">
-        <p14:creationId xmlns:p14="http://schemas.microsoft.com/office/powerpoint/2010/main" val="522637701"/>
+        <p14:creationId xmlns:p14="http://schemas.microsoft.com/office/powerpoint/2010/main" val="704412100"/>
       </p:ext>
     </p:extLst>
   </p:cSld>
@@ -4992,7 +5008,7 @@
           <p:cNvPr id="2" name="Title 1">
             <a:extLst>
               <a:ext uri="{FF2B5EF4-FFF2-40B4-BE49-F238E27FC236}">
-                <a16:creationId xmlns:a16="http://schemas.microsoft.com/office/drawing/2014/main" id="{51CC6C1C-3479-EF4F-9AC5-101DDCA0E1BE}"/>
+                <a16:creationId xmlns:a16="http://schemas.microsoft.com/office/drawing/2014/main" id="{337ACADA-6D93-544D-A992-7F399D2249AA}"/>
               </a:ext>
             </a:extLst>
           </p:cNvPr>
@@ -5010,7 +5026,7 @@
           <a:p>
             <a:r>
               <a:rPr lang="en-BE" dirty="0"/>
-              <a:t>Local Git Layout</a:t>
+              <a:t>Publishing</a:t>
             </a:r>
           </a:p>
         </p:txBody>
@@ -5020,7 +5036,7 @@
           <p:cNvPr id="3" name="Content Placeholder 2">
             <a:extLst>
               <a:ext uri="{FF2B5EF4-FFF2-40B4-BE49-F238E27FC236}">
-                <a16:creationId xmlns:a16="http://schemas.microsoft.com/office/drawing/2014/main" id="{E56D5C14-BC1E-B047-8110-2144E85235A8}"/>
+                <a16:creationId xmlns:a16="http://schemas.microsoft.com/office/drawing/2014/main" id="{6892C416-DC77-5C45-B492-793440E84F55}"/>
               </a:ext>
             </a:extLst>
           </p:cNvPr>
@@ -5038,79 +5054,69 @@
           <a:p>
             <a:r>
               <a:rPr lang="en-GB" dirty="0"/>
-              <a:t>I</a:t>
+              <a:t>T</a:t>
             </a:r>
             <a:r>
               <a:rPr lang="en-BE" dirty="0"/>
-              <a:t>n a folder called `git` or something else:</a:t>
-            </a:r>
-          </a:p>
-          <a:p>
+              <a:t>o GitHub: requires an evironment variable called </a:t>
+            </a:r>
+            <a:r>
+              <a:rPr lang="en-GB" dirty="0"/>
+              <a:t>$GITHUB_TOKEN</a:t>
+            </a:r>
+            <a:endParaRPr lang="en-BE" dirty="0"/>
+          </a:p>
+          <a:p>
+            <a:r>
+              <a:rPr lang="en-GB" dirty="0"/>
+              <a:t>T</a:t>
+            </a:r>
             <a:r>
               <a:rPr lang="en-BE" dirty="0"/>
-              <a:t>`org.e2immu` for the main e2immu project – not really necessary (</a:t>
-            </a:r>
-            <a:r>
-              <a:rPr lang="en-BE" dirty="0">
-                <a:highlight>
-                  <a:srgbClr val="FFFF00"/>
-                </a:highlight>
-              </a:rPr>
-              <a:t>TODO</a:t>
-            </a:r>
+              <a:t>o MavenLocal. Use `</a:t>
+            </a:r>
+            <a:r>
+              <a:rPr lang="en-GB" dirty="0" err="1"/>
+              <a:t>gradle</a:t>
+            </a:r>
+            <a:r>
+              <a:rPr lang="en-GB" dirty="0"/>
+              <a:t> </a:t>
+            </a:r>
+            <a:r>
+              <a:rPr lang="en-GB" dirty="0" err="1"/>
+              <a:t>publishToMavenLocal</a:t>
+            </a:r>
+            <a:r>
+              <a:rPr lang="en-GB" dirty="0"/>
+              <a:t>`</a:t>
+            </a:r>
+          </a:p>
+          <a:p>
+            <a:r>
+              <a:rPr lang="en-GB" dirty="0"/>
+              <a:t>To Maven Central: not implemented yet.</a:t>
+            </a:r>
+            <a:endParaRPr lang="en-BE" dirty="0"/>
+          </a:p>
+          <a:p>
             <a:r>
               <a:rPr lang="en-BE" dirty="0"/>
-              <a:t> validate this) but nicer in IntelliJ </a:t>
-            </a:r>
+              <a:t>For development, I’m publishing local changes of the support project (repeatedly under the same version) and use them directly in the analyser; works like a charm.</a:t>
+            </a:r>
+          </a:p>
+          <a:p>
+            <a:endParaRPr lang="en-BE" dirty="0"/>
           </a:p>
           <a:p>
             <a:r>
               <a:rPr lang="en-BE" dirty="0"/>
-              <a:t>`e2immu-support`, … (all the others under their GitHub project name)</a:t>
-            </a:r>
-          </a:p>
-          <a:p>
-            <a:endParaRPr lang="en-BE" dirty="0"/>
-          </a:p>
-          <a:p>
-            <a:r>
-              <a:rPr lang="en-BE" dirty="0"/>
-              <a:t>The reason for the rename is Gradle’s `MavenLocal()`. In `e2immu`’s settings.gradle file, </a:t>
+              <a:t>Versioning: see e2immu/</a:t>
             </a:r>
             <a:r>
               <a:rPr lang="en-GB" dirty="0" err="1"/>
-              <a:t>rootProject.name</a:t>
-            </a:r>
-            <a:r>
-              <a:rPr lang="en-GB" dirty="0"/>
-              <a:t> = 'org.e2immu’</a:t>
-            </a:r>
-          </a:p>
-          <a:p>
-            <a:r>
-              <a:rPr lang="en-GB" dirty="0"/>
-              <a:t>Some tests in the analyser refer to the support classes using `../e2immu-support/</a:t>
-            </a:r>
-            <a:r>
-              <a:rPr lang="en-GB" dirty="0" err="1"/>
-              <a:t>src</a:t>
-            </a:r>
-            <a:r>
-              <a:rPr lang="en-GB" dirty="0"/>
-              <a:t>/main/java/…`</a:t>
-            </a:r>
-            <a:endParaRPr lang="en-BE" dirty="0"/>
-          </a:p>
-          <a:p>
-            <a:endParaRPr lang="en-BE" dirty="0"/>
-          </a:p>
-          <a:p>
-            <a:endParaRPr lang="en-BE" dirty="0"/>
-          </a:p>
-          <a:p>
-            <a:pPr marL="0" indent="0">
-              <a:buNone/>
-            </a:pPr>
+              <a:t>RELEASE_NOTES.md</a:t>
+            </a:r>
             <a:endParaRPr lang="en-BE" dirty="0"/>
           </a:p>
         </p:txBody>
@@ -5118,7 +5124,7 @@
     </p:spTree>
     <p:extLst>
       <p:ext uri="{BB962C8B-B14F-4D97-AF65-F5344CB8AC3E}">
-        <p14:creationId xmlns:p14="http://schemas.microsoft.com/office/powerpoint/2010/main" val="1809244579"/>
+        <p14:creationId xmlns:p14="http://schemas.microsoft.com/office/powerpoint/2010/main" val="543990818"/>
       </p:ext>
     </p:extLst>
   </p:cSld>
@@ -5150,7 +5156,7 @@
           <p:cNvPr id="2" name="Title 1">
             <a:extLst>
               <a:ext uri="{FF2B5EF4-FFF2-40B4-BE49-F238E27FC236}">
-                <a16:creationId xmlns:a16="http://schemas.microsoft.com/office/drawing/2014/main" id="{811D7742-EE17-9D40-A347-4331CD74F370}"/>
+                <a16:creationId xmlns:a16="http://schemas.microsoft.com/office/drawing/2014/main" id="{A50779A3-4098-8543-9856-B401013B437A}"/>
               </a:ext>
             </a:extLst>
           </p:cNvPr>
@@ -5168,7 +5174,7 @@
           <a:p>
             <a:r>
               <a:rPr lang="en-BE" dirty="0"/>
-              <a:t>Building</a:t>
+              <a:t>Running the analyzer</a:t>
             </a:r>
           </a:p>
         </p:txBody>
@@ -5178,7 +5184,7 @@
           <p:cNvPr id="3" name="Content Placeholder 2">
             <a:extLst>
               <a:ext uri="{FF2B5EF4-FFF2-40B4-BE49-F238E27FC236}">
-                <a16:creationId xmlns:a16="http://schemas.microsoft.com/office/drawing/2014/main" id="{8D15115C-610F-F446-A6DD-509DD4D0D767}"/>
+                <a16:creationId xmlns:a16="http://schemas.microsoft.com/office/drawing/2014/main" id="{318E01F4-BC32-D641-9949-9206963724D9}"/>
               </a:ext>
             </a:extLst>
           </p:cNvPr>
@@ -5195,57 +5201,18 @@
           <a:lstStyle/>
           <a:p>
             <a:r>
+              <a:rPr lang="en-GB" dirty="0"/>
+              <a:t>R</a:t>
+            </a:r>
+            <a:r>
               <a:rPr lang="en-BE" dirty="0"/>
-              <a:t>Use Gradle 6.8+, use a JDK 15</a:t>
+              <a:t>unning directly from analyser-cli is possible but difficult: the path computations are arduous</a:t>
             </a:r>
           </a:p>
           <a:p>
             <a:r>
               <a:rPr lang="en-BE" dirty="0"/>
-              <a:t>Some tests have been moved to `testsfailing`, they’re not run</a:t>
-            </a:r>
-          </a:p>
-          <a:p>
-            <a:r>
-              <a:rPr lang="en-BE" dirty="0"/>
-              <a:t>Generating the AnnotatedXML file has been commented out at the moment</a:t>
-            </a:r>
-          </a:p>
-          <a:p>
-            <a:endParaRPr lang="en-BE" dirty="0"/>
-          </a:p>
-          <a:p>
-            <a:r>
-              <a:rPr lang="en-BE" dirty="0"/>
-              <a:t>Dependencies: luckily they’re minimal for the analyzer.</a:t>
-            </a:r>
-          </a:p>
-          <a:p>
-            <a:r>
-              <a:rPr lang="en-BE" dirty="0">
-                <a:highlight>
-                  <a:srgbClr val="FFFF00"/>
-                </a:highlight>
-              </a:rPr>
-              <a:t>TODO</a:t>
-            </a:r>
-            <a:r>
-              <a:rPr lang="en-BE" dirty="0"/>
-              <a:t>: consistency in build scripts</a:t>
-            </a:r>
-          </a:p>
-          <a:p>
-            <a:r>
-              <a:rPr lang="en-BE" dirty="0">
-                <a:highlight>
-                  <a:srgbClr val="FFFF00"/>
-                </a:highlight>
-              </a:rPr>
-              <a:t>TODO</a:t>
-            </a:r>
-            <a:r>
-              <a:rPr lang="en-BE" dirty="0"/>
-              <a:t>: BUILD.md files, with decent content</a:t>
+              <a:t>Running with Gradle requires a plugin resolution strategy in settings.gradle (see annotation store) until we go public and ask for our plugin to be uploaded to the Gradle repository</a:t>
             </a:r>
           </a:p>
         </p:txBody>
@@ -5253,7 +5220,7 @@
     </p:spTree>
     <p:extLst>
       <p:ext uri="{BB962C8B-B14F-4D97-AF65-F5344CB8AC3E}">
-        <p14:creationId xmlns:p14="http://schemas.microsoft.com/office/powerpoint/2010/main" val="704412100"/>
+        <p14:creationId xmlns:p14="http://schemas.microsoft.com/office/powerpoint/2010/main" val="4281214299"/>
       </p:ext>
     </p:extLst>
   </p:cSld>
@@ -5285,7 +5252,7 @@
           <p:cNvPr id="2" name="Title 1">
             <a:extLst>
               <a:ext uri="{FF2B5EF4-FFF2-40B4-BE49-F238E27FC236}">
-                <a16:creationId xmlns:a16="http://schemas.microsoft.com/office/drawing/2014/main" id="{337ACADA-6D93-544D-A992-7F399D2249AA}"/>
+                <a16:creationId xmlns:a16="http://schemas.microsoft.com/office/drawing/2014/main" id="{5844C327-4438-864C-AF92-B33BF13BD8B3}"/>
               </a:ext>
             </a:extLst>
           </p:cNvPr>
@@ -5303,7 +5270,7 @@
           <a:p>
             <a:r>
               <a:rPr lang="en-BE" dirty="0"/>
-              <a:t>Publishing</a:t>
+              <a:t>Building + running the annotation store</a:t>
             </a:r>
           </a:p>
         </p:txBody>
@@ -5313,7 +5280,7 @@
           <p:cNvPr id="3" name="Content Placeholder 2">
             <a:extLst>
               <a:ext uri="{FF2B5EF4-FFF2-40B4-BE49-F238E27FC236}">
-                <a16:creationId xmlns:a16="http://schemas.microsoft.com/office/drawing/2014/main" id="{6892C416-DC77-5C45-B492-793440E84F55}"/>
+                <a16:creationId xmlns:a16="http://schemas.microsoft.com/office/drawing/2014/main" id="{640E2908-F097-D94C-9666-488839DCEB05}"/>
               </a:ext>
             </a:extLst>
           </p:cNvPr>
@@ -5330,76 +5297,42 @@
           <a:lstStyle/>
           <a:p>
             <a:r>
-              <a:rPr lang="en-GB" dirty="0"/>
-              <a:t>T</a:t>
-            </a:r>
-            <a:r>
               <a:rPr lang="en-BE" dirty="0"/>
-              <a:t>o GitHub; requires an evironment variable called </a:t>
-            </a:r>
-            <a:r>
-              <a:rPr lang="en-GB" dirty="0"/>
-              <a:t>$GITHUB_TOKEN</a:t>
+              <a:t>That is rather simple: gradle run</a:t>
+            </a:r>
+          </a:p>
+          <a:p>
+            <a:r>
+              <a:rPr lang="en-BE" dirty="0"/>
+              <a:t>More interesting is to run the analyser on the code </a:t>
+            </a:r>
+            <a:r>
+              <a:rPr lang="en-BE" dirty="0">
+                <a:sym typeface="Wingdings" pitchFamily="2" charset="2"/>
+              </a:rPr>
+              <a:t>of the annotation store</a:t>
+            </a:r>
+            <a:r>
+              <a:rPr lang="en-BE" dirty="0"/>
+              <a:t> (only 2 classes </a:t>
+            </a:r>
+            <a:r>
+              <a:rPr lang="en-BE" dirty="0">
+                <a:sym typeface="Wingdings" pitchFamily="2" charset="2"/>
+              </a:rPr>
+              <a:t>)</a:t>
+            </a:r>
+          </a:p>
+          <a:p>
+            <a:r>
+              <a:rPr lang="en-BE" dirty="0">
+                <a:sym typeface="Wingdings" pitchFamily="2" charset="2"/>
+              </a:rPr>
+              <a:t>An additional build file runs the analyser via the CLI to generate Annotated API files</a:t>
             </a:r>
             <a:endParaRPr lang="en-BE" dirty="0"/>
           </a:p>
           <a:p>
-            <a:r>
-              <a:rPr lang="en-GB" dirty="0"/>
-              <a:t>T</a:t>
-            </a:r>
-            <a:r>
-              <a:rPr lang="en-BE" dirty="0"/>
-              <a:t>o MavenLocal (</a:t>
-            </a:r>
-            <a:r>
-              <a:rPr lang="en-BE" dirty="0">
-                <a:highlight>
-                  <a:srgbClr val="FFFF00"/>
-                </a:highlight>
-              </a:rPr>
-              <a:t>TODO</a:t>
-            </a:r>
-            <a:r>
-              <a:rPr lang="en-BE" dirty="0"/>
-              <a:t> only e2immu-support up to now, do others too). Use `</a:t>
-            </a:r>
-            <a:r>
-              <a:rPr lang="en-GB" dirty="0" err="1"/>
-              <a:t>gradle</a:t>
-            </a:r>
-            <a:r>
-              <a:rPr lang="en-GB" dirty="0"/>
-              <a:t> </a:t>
-            </a:r>
-            <a:r>
-              <a:rPr lang="en-GB" dirty="0" err="1"/>
-              <a:t>publishToMavenLocal</a:t>
-            </a:r>
-            <a:r>
-              <a:rPr lang="en-GB" dirty="0"/>
-              <a:t>`</a:t>
-            </a:r>
-            <a:endParaRPr lang="en-BE" dirty="0"/>
-          </a:p>
-          <a:p>
-            <a:r>
-              <a:rPr lang="en-BE" dirty="0"/>
-              <a:t>For development, I’m publishing local changes of the support project (repeatedly under the same version) and use them directly in the analyser; works like a charm.</a:t>
-            </a:r>
-          </a:p>
-          <a:p>
-            <a:endParaRPr lang="en-BE" dirty="0"/>
-          </a:p>
-          <a:p>
-            <a:r>
-              <a:rPr lang="en-BE" dirty="0"/>
-              <a:t>Versioning: see e2immu/</a:t>
-            </a:r>
-            <a:r>
-              <a:rPr lang="en-GB" dirty="0" err="1"/>
-              <a:t>RELEASE_NOTES.md</a:t>
-            </a:r>
             <a:endParaRPr lang="en-BE" dirty="0"/>
           </a:p>
         </p:txBody>
@@ -5407,7 +5340,7 @@
     </p:spTree>
     <p:extLst>
       <p:ext uri="{BB962C8B-B14F-4D97-AF65-F5344CB8AC3E}">
-        <p14:creationId xmlns:p14="http://schemas.microsoft.com/office/powerpoint/2010/main" val="543990818"/>
+        <p14:creationId xmlns:p14="http://schemas.microsoft.com/office/powerpoint/2010/main" val="244339610"/>
       </p:ext>
     </p:extLst>
   </p:cSld>

--- a/powerpoint/SlideDeck2.pptx
+++ b/powerpoint/SlideDeck2.pptx
@@ -395,7 +395,7 @@
           <a:p>
             <a:fld id="{818C8CF3-BCCC-F54E-AD85-489C40636AC0}" type="datetimeFigureOut">
               <a:rPr lang="en-BE" smtClean="0"/>
-              <a:t>26/04/2021</a:t>
+              <a:t>10/24/23</a:t>
             </a:fld>
             <a:endParaRPr lang="en-BE"/>
           </a:p>
@@ -896,7 +896,7 @@
           <a:p>
             <a:fld id="{3382CC1E-2B4A-E24A-B89B-A64DB508A9B6}" type="datetimeFigureOut">
               <a:rPr lang="en-BE" smtClean="0"/>
-              <a:t>26/04/2021</a:t>
+              <a:t>10/24/23</a:t>
             </a:fld>
             <a:endParaRPr lang="en-BE"/>
           </a:p>
@@ -1096,7 +1096,7 @@
           <a:p>
             <a:fld id="{3382CC1E-2B4A-E24A-B89B-A64DB508A9B6}" type="datetimeFigureOut">
               <a:rPr lang="en-BE" smtClean="0"/>
-              <a:t>26/04/2021</a:t>
+              <a:t>10/24/23</a:t>
             </a:fld>
             <a:endParaRPr lang="en-BE"/>
           </a:p>
@@ -1306,7 +1306,7 @@
           <a:p>
             <a:fld id="{3382CC1E-2B4A-E24A-B89B-A64DB508A9B6}" type="datetimeFigureOut">
               <a:rPr lang="en-BE" smtClean="0"/>
-              <a:t>26/04/2021</a:t>
+              <a:t>10/24/23</a:t>
             </a:fld>
             <a:endParaRPr lang="en-BE"/>
           </a:p>
@@ -1506,7 +1506,7 @@
           <a:p>
             <a:fld id="{3382CC1E-2B4A-E24A-B89B-A64DB508A9B6}" type="datetimeFigureOut">
               <a:rPr lang="en-BE" smtClean="0"/>
-              <a:t>26/04/2021</a:t>
+              <a:t>10/24/23</a:t>
             </a:fld>
             <a:endParaRPr lang="en-BE"/>
           </a:p>
@@ -1782,7 +1782,7 @@
           <a:p>
             <a:fld id="{3382CC1E-2B4A-E24A-B89B-A64DB508A9B6}" type="datetimeFigureOut">
               <a:rPr lang="en-BE" smtClean="0"/>
-              <a:t>26/04/2021</a:t>
+              <a:t>10/24/23</a:t>
             </a:fld>
             <a:endParaRPr lang="en-BE"/>
           </a:p>
@@ -2050,7 +2050,7 @@
           <a:p>
             <a:fld id="{3382CC1E-2B4A-E24A-B89B-A64DB508A9B6}" type="datetimeFigureOut">
               <a:rPr lang="en-BE" smtClean="0"/>
-              <a:t>26/04/2021</a:t>
+              <a:t>10/24/23</a:t>
             </a:fld>
             <a:endParaRPr lang="en-BE"/>
           </a:p>
@@ -2465,7 +2465,7 @@
           <a:p>
             <a:fld id="{3382CC1E-2B4A-E24A-B89B-A64DB508A9B6}" type="datetimeFigureOut">
               <a:rPr lang="en-BE" smtClean="0"/>
-              <a:t>26/04/2021</a:t>
+              <a:t>10/24/23</a:t>
             </a:fld>
             <a:endParaRPr lang="en-BE"/>
           </a:p>
@@ -2607,7 +2607,7 @@
           <a:p>
             <a:fld id="{3382CC1E-2B4A-E24A-B89B-A64DB508A9B6}" type="datetimeFigureOut">
               <a:rPr lang="en-BE" smtClean="0"/>
-              <a:t>26/04/2021</a:t>
+              <a:t>10/24/23</a:t>
             </a:fld>
             <a:endParaRPr lang="en-BE"/>
           </a:p>
@@ -2720,7 +2720,7 @@
           <a:p>
             <a:fld id="{3382CC1E-2B4A-E24A-B89B-A64DB508A9B6}" type="datetimeFigureOut">
               <a:rPr lang="en-BE" smtClean="0"/>
-              <a:t>26/04/2021</a:t>
+              <a:t>10/24/23</a:t>
             </a:fld>
             <a:endParaRPr lang="en-BE"/>
           </a:p>
@@ -3033,7 +3033,7 @@
           <a:p>
             <a:fld id="{3382CC1E-2B4A-E24A-B89B-A64DB508A9B6}" type="datetimeFigureOut">
               <a:rPr lang="en-BE" smtClean="0"/>
-              <a:t>26/04/2021</a:t>
+              <a:t>10/24/23</a:t>
             </a:fld>
             <a:endParaRPr lang="en-BE"/>
           </a:p>
@@ -3322,7 +3322,7 @@
           <a:p>
             <a:fld id="{3382CC1E-2B4A-E24A-B89B-A64DB508A9B6}" type="datetimeFigureOut">
               <a:rPr lang="en-BE" smtClean="0"/>
-              <a:t>26/04/2021</a:t>
+              <a:t>10/24/23</a:t>
             </a:fld>
             <a:endParaRPr lang="en-BE"/>
           </a:p>
@@ -3565,7 +3565,7 @@
           <a:p>
             <a:fld id="{3382CC1E-2B4A-E24A-B89B-A64DB508A9B6}" type="datetimeFigureOut">
               <a:rPr lang="en-BE" smtClean="0"/>
-              <a:t>26/04/2021</a:t>
+              <a:t>10/24/23</a:t>
             </a:fld>
             <a:endParaRPr lang="en-BE"/>
           </a:p>
@@ -4659,7 +4659,23 @@
           <a:p>
             <a:r>
               <a:rPr lang="en-BE" dirty="0"/>
-              <a:t>The main analyser uses Java 16 language features, and API. I’m building with a Java 16 JDK on Mac OS.</a:t>
+              <a:t>The main analyser uses Java 16 language features, and API. I’m building with a </a:t>
+            </a:r>
+            <a:r>
+              <a:rPr lang="en-BE"/>
+              <a:t>Java </a:t>
+            </a:r>
+            <a:r>
+              <a:rPr lang="en-US" dirty="0"/>
+              <a:t>21</a:t>
+            </a:r>
+            <a:r>
+              <a:rPr lang="en-BE"/>
+              <a:t> </a:t>
+            </a:r>
+            <a:r>
+              <a:rPr lang="en-BE" dirty="0"/>
+              <a:t>JDK on Mac OS.</a:t>
             </a:r>
           </a:p>
           <a:p>
@@ -4751,26 +4767,60 @@
           <a:p>
             <a:r>
               <a:rPr lang="en-BE" dirty="0"/>
-              <a:t>The analyser currently uses ASM9 which can read .class files of Java 15 with preview features</a:t>
-            </a:r>
-          </a:p>
-          <a:p>
+              <a:t>The analyser currently </a:t>
+            </a:r>
+            <a:r>
+              <a:rPr lang="en-BE"/>
+              <a:t>uses ASM</a:t>
+            </a:r>
+            <a:r>
+              <a:rPr lang="en-US" dirty="0"/>
+              <a:t> 9.5</a:t>
+            </a:r>
+            <a:r>
+              <a:rPr lang="en-BE"/>
+              <a:t> </a:t>
+            </a:r>
             <a:r>
               <a:rPr lang="en-BE" dirty="0"/>
-              <a:t>The source parser “javaparser.org” currently cannot read &gt;11 constructs. </a:t>
-            </a:r>
-            <a:r>
-              <a:rPr lang="en-BE" dirty="0">
-                <a:highlight>
-                  <a:srgbClr val="FFFF00"/>
-                </a:highlight>
-              </a:rPr>
-              <a:t>TODO</a:t>
+              <a:t>which can read .class files of </a:t>
+            </a:r>
+            <a:r>
+              <a:rPr lang="en-BE"/>
+              <a:t>Java </a:t>
+            </a:r>
+            <a:r>
+              <a:rPr lang="en-US" dirty="0"/>
+              <a:t>21</a:t>
+            </a:r>
+            <a:endParaRPr lang="en-BE" dirty="0"/>
+          </a:p>
+          <a:p>
+            <a:r>
+              <a:rPr lang="en-BE"/>
+              <a:t>The </a:t>
+            </a:r>
+            <a:r>
+              <a:rPr lang="en-US" dirty="0"/>
+              <a:t>Java </a:t>
+            </a:r>
+            <a:r>
+              <a:rPr lang="en-BE"/>
+              <a:t>source </a:t>
             </a:r>
             <a:r>
               <a:rPr lang="en-BE" dirty="0"/>
-              <a:t> find out if there’s some bleeding edge version that can at least parse the constructs, so we can expand the inspection section of the analyser</a:t>
-            </a:r>
+              <a:t>parser “javaparser.</a:t>
+            </a:r>
+            <a:r>
+              <a:rPr lang="en-BE"/>
+              <a:t>org”</a:t>
+            </a:r>
+            <a:r>
+              <a:rPr lang="en-US" dirty="0"/>
+              <a:t> can read all of e2immu’s code</a:t>
+            </a:r>
+            <a:endParaRPr lang="en-BE" dirty="0"/>
           </a:p>
         </p:txBody>
       </p:sp>
